--- a/스마트폰 게임 프로그래밍프로젝트 기획.pptx
+++ b/스마트폰 게임 프로그래밍프로젝트 기획.pptx
@@ -250,7 +250,7 @@
           <a:p>
             <a:fld id="{3DD9C912-960A-4D60-B632-20AB1F7BF61B}" type="datetimeFigureOut">
               <a:rPr lang="ko-KR" altLang="en-US" smtClean="0"/>
-              <a:t>2023-03-25</a:t>
+              <a:t>2023-04-02</a:t>
             </a:fld>
             <a:endParaRPr lang="ko-KR" altLang="en-US"/>
           </a:p>
@@ -420,7 +420,7 @@
           <a:p>
             <a:fld id="{3DD9C912-960A-4D60-B632-20AB1F7BF61B}" type="datetimeFigureOut">
               <a:rPr lang="ko-KR" altLang="en-US" smtClean="0"/>
-              <a:t>2023-03-25</a:t>
+              <a:t>2023-04-02</a:t>
             </a:fld>
             <a:endParaRPr lang="ko-KR" altLang="en-US"/>
           </a:p>
@@ -600,7 +600,7 @@
           <a:p>
             <a:fld id="{3DD9C912-960A-4D60-B632-20AB1F7BF61B}" type="datetimeFigureOut">
               <a:rPr lang="ko-KR" altLang="en-US" smtClean="0"/>
-              <a:t>2023-03-25</a:t>
+              <a:t>2023-04-02</a:t>
             </a:fld>
             <a:endParaRPr lang="ko-KR" altLang="en-US"/>
           </a:p>
@@ -770,7 +770,7 @@
           <a:p>
             <a:fld id="{3DD9C912-960A-4D60-B632-20AB1F7BF61B}" type="datetimeFigureOut">
               <a:rPr lang="ko-KR" altLang="en-US" smtClean="0"/>
-              <a:t>2023-03-25</a:t>
+              <a:t>2023-04-02</a:t>
             </a:fld>
             <a:endParaRPr lang="ko-KR" altLang="en-US"/>
           </a:p>
@@ -1016,7 +1016,7 @@
           <a:p>
             <a:fld id="{3DD9C912-960A-4D60-B632-20AB1F7BF61B}" type="datetimeFigureOut">
               <a:rPr lang="ko-KR" altLang="en-US" smtClean="0"/>
-              <a:t>2023-03-25</a:t>
+              <a:t>2023-04-02</a:t>
             </a:fld>
             <a:endParaRPr lang="ko-KR" altLang="en-US"/>
           </a:p>
@@ -1248,7 +1248,7 @@
           <a:p>
             <a:fld id="{3DD9C912-960A-4D60-B632-20AB1F7BF61B}" type="datetimeFigureOut">
               <a:rPr lang="ko-KR" altLang="en-US" smtClean="0"/>
-              <a:t>2023-03-25</a:t>
+              <a:t>2023-04-02</a:t>
             </a:fld>
             <a:endParaRPr lang="ko-KR" altLang="en-US"/>
           </a:p>
@@ -1615,7 +1615,7 @@
           <a:p>
             <a:fld id="{3DD9C912-960A-4D60-B632-20AB1F7BF61B}" type="datetimeFigureOut">
               <a:rPr lang="ko-KR" altLang="en-US" smtClean="0"/>
-              <a:t>2023-03-25</a:t>
+              <a:t>2023-04-02</a:t>
             </a:fld>
             <a:endParaRPr lang="ko-KR" altLang="en-US"/>
           </a:p>
@@ -1733,7 +1733,7 @@
           <a:p>
             <a:fld id="{3DD9C912-960A-4D60-B632-20AB1F7BF61B}" type="datetimeFigureOut">
               <a:rPr lang="ko-KR" altLang="en-US" smtClean="0"/>
-              <a:t>2023-03-25</a:t>
+              <a:t>2023-04-02</a:t>
             </a:fld>
             <a:endParaRPr lang="ko-KR" altLang="en-US"/>
           </a:p>
@@ -1828,7 +1828,7 @@
           <a:p>
             <a:fld id="{3DD9C912-960A-4D60-B632-20AB1F7BF61B}" type="datetimeFigureOut">
               <a:rPr lang="ko-KR" altLang="en-US" smtClean="0"/>
-              <a:t>2023-03-25</a:t>
+              <a:t>2023-04-02</a:t>
             </a:fld>
             <a:endParaRPr lang="ko-KR" altLang="en-US"/>
           </a:p>
@@ -2105,7 +2105,7 @@
           <a:p>
             <a:fld id="{3DD9C912-960A-4D60-B632-20AB1F7BF61B}" type="datetimeFigureOut">
               <a:rPr lang="ko-KR" altLang="en-US" smtClean="0"/>
-              <a:t>2023-03-25</a:t>
+              <a:t>2023-04-02</a:t>
             </a:fld>
             <a:endParaRPr lang="ko-KR" altLang="en-US"/>
           </a:p>
@@ -2362,7 +2362,7 @@
           <a:p>
             <a:fld id="{3DD9C912-960A-4D60-B632-20AB1F7BF61B}" type="datetimeFigureOut">
               <a:rPr lang="ko-KR" altLang="en-US" smtClean="0"/>
-              <a:t>2023-03-25</a:t>
+              <a:t>2023-04-02</a:t>
             </a:fld>
             <a:endParaRPr lang="ko-KR" altLang="en-US"/>
           </a:p>
@@ -2575,7 +2575,7 @@
           <a:p>
             <a:fld id="{3DD9C912-960A-4D60-B632-20AB1F7BF61B}" type="datetimeFigureOut">
               <a:rPr lang="ko-KR" altLang="en-US" smtClean="0"/>
-              <a:t>2023-03-25</a:t>
+              <a:t>2023-04-02</a:t>
             </a:fld>
             <a:endParaRPr lang="ko-KR" altLang="en-US"/>
           </a:p>
@@ -3901,8 +3901,15 @@
           <a:p>
             <a:pPr algn="l" latinLnBrk="0"/>
             <a:r>
-              <a:rPr lang="en-US" altLang="ko-KR" sz="5400"/>
-              <a:t>Equipter</a:t>
+              <a:rPr lang="ko-KR" altLang="en-US" sz="5400" dirty="0"/>
+              <a:t>장비 수집가</a:t>
+            </a:r>
+            <a:br>
+              <a:rPr lang="en-US" altLang="ko-KR" sz="5400" dirty="0"/>
+            </a:br>
+            <a:r>
+              <a:rPr lang="en-US" altLang="ko-KR" sz="3600" dirty="0"/>
+              <a:t>(equipment collector)</a:t>
             </a:r>
           </a:p>
         </p:txBody>
